--- a/luna_authoring_system/pptx_parser/test/test_assets/Content and category game editor.pptx
+++ b/luna_authoring_system/pptx_parser/test/test_assets/Content and category game editor.pptx
@@ -6,18 +6,16 @@
     <p:sldMasterId id="2147483679" r:id="rId2"/>
   </p:sldMasterIdLst>
   <p:notesMasterIdLst>
-    <p:notesMasterId r:id="rId9"/>
+    <p:notesMasterId r:id="rId7"/>
   </p:notesMasterIdLst>
   <p:handoutMasterIdLst>
-    <p:handoutMasterId r:id="rId10"/>
+    <p:handoutMasterId r:id="rId8"/>
   </p:handoutMasterIdLst>
   <p:sldIdLst>
     <p:sldId id="256" r:id="rId3"/>
     <p:sldId id="257" r:id="rId4"/>
     <p:sldId id="258" r:id="rId5"/>
-    <p:sldId id="260" r:id="rId6"/>
-    <p:sldId id="261" r:id="rId7"/>
-    <p:sldId id="259" r:id="rId8"/>
+    <p:sldId id="261" r:id="rId6"/>
   </p:sldIdLst>
   <p:sldSz cx="4572000" cy="9144000"/>
   <p:notesSz cx="6858000" cy="9144000"/>
@@ -258,7 +256,7 @@
       <p15:notesGuideLst xmlns:p15="http://schemas.microsoft.com/office/powerpoint/2012/main"/>
     </p:ext>
     <p:ext uri="GoogleSlidesCustomDataVersion2">
-      <go:slidesCustomData xmlns:go="http://customooxmlschemas.google.com/" xmlns:ahyp="http://schemas.microsoft.com/office/drawing/2018/hyperlinkcolor" xmlns:p15="http://schemas.microsoft.com/office/powerpoint/2012/main" xmlns:p14="http://schemas.microsoft.com/office/powerpoint/2010/main" xmlns:com="http://schemas.openxmlformats.org/drawingml/2006/compatibility" xmlns:pvml="urn:schemas-microsoft-com:office:powerpoint" xmlns:v="urn:schemas-microsoft-com:vml" xmlns:o="urn:schemas-microsoft-com:office:office" xmlns:dgm="http://schemas.openxmlformats.org/drawingml/2006/diagram" xmlns:c="http://schemas.openxmlformats.org/drawingml/2006/chart" xmlns:mv="urn:schemas-microsoft-com:mac:vml" xmlns:mc="http://schemas.openxmlformats.org/markup-compatibility/2006" xmlns="" r:id="rId41" roundtripDataSignature="AMtx7mihor86rnFCoCnQA6yYJsxQGjoVww=="/>
+      <go:slidesCustomData xmlns="" xmlns:mc="http://schemas.openxmlformats.org/markup-compatibility/2006" xmlns:mv="urn:schemas-microsoft-com:mac:vml" xmlns:c="http://schemas.openxmlformats.org/drawingml/2006/chart" xmlns:dgm="http://schemas.openxmlformats.org/drawingml/2006/diagram" xmlns:o="urn:schemas-microsoft-com:office:office" xmlns:v="urn:schemas-microsoft-com:vml" xmlns:pvml="urn:schemas-microsoft-com:office:powerpoint" xmlns:com="http://schemas.openxmlformats.org/drawingml/2006/compatibility" xmlns:p14="http://schemas.microsoft.com/office/powerpoint/2010/main" xmlns:p15="http://schemas.microsoft.com/office/powerpoint/2012/main" xmlns:ahyp="http://schemas.microsoft.com/office/drawing/2018/hyperlinkcolor" xmlns:go="http://customooxmlschemas.google.com/" r:id="rId41" roundtripDataSignature="AMtx7mihor86rnFCoCnQA6yYJsxQGjoVww=="/>
     </p:ext>
   </p:extLst>
 </p:presentation>
@@ -358,7 +356,7 @@
           <a:p>
             <a:fld id="{121EC1E1-76D6-4FCC-A5A4-76B2537AFA8F}" type="datetimeFigureOut">
               <a:rPr lang="en-US" smtClean="0"/>
-              <a:t>5/3/24</a:t>
+              <a:t>5/20/24</a:t>
             </a:fld>
             <a:endParaRPr lang="en-US"/>
           </a:p>
@@ -16541,7 +16539,11 @@
           <a:bodyPr/>
           <a:lstStyle/>
           <a:p>
-            <a:endParaRPr lang="en-KR"/>
+            <a:r>
+              <a:rPr lang="en-US" dirty="0"/>
+              <a:t>this is topic</a:t>
+            </a:r>
+            <a:endParaRPr lang="en-KR" dirty="0"/>
           </a:p>
         </p:txBody>
       </p:sp>
@@ -16566,7 +16568,10 @@
           <a:bodyPr/>
           <a:lstStyle/>
           <a:p>
-            <a:endParaRPr lang="en-KR"/>
+            <a:r>
+              <a:rPr lang="en-KR" dirty="0"/>
+              <a:t>this is subtopic</a:t>
+            </a:r>
           </a:p>
         </p:txBody>
       </p:sp>
@@ -16591,7 +16596,10 @@
           <a:bodyPr/>
           <a:lstStyle/>
           <a:p>
-            <a:endParaRPr lang="en-KR"/>
+            <a:r>
+              <a:rPr lang="en-KR" dirty="0"/>
+              <a:t>this is second subtopic</a:t>
+            </a:r>
           </a:p>
         </p:txBody>
       </p:sp>
@@ -16646,7 +16654,10 @@
           <a:bodyPr/>
           <a:lstStyle/>
           <a:p>
-            <a:endParaRPr lang="en-KR"/>
+            <a:r>
+              <a:rPr lang="en-KR" dirty="0"/>
+              <a:t>this is subtopic</a:t>
+            </a:r>
           </a:p>
         </p:txBody>
       </p:sp>
@@ -16671,7 +16682,10 @@
           <a:bodyPr/>
           <a:lstStyle/>
           <a:p>
-            <a:endParaRPr lang="en-KR"/>
+            <a:r>
+              <a:rPr lang="en-KR" dirty="0"/>
+              <a:t>this is subtopic</a:t>
+            </a:r>
           </a:p>
         </p:txBody>
       </p:sp>
@@ -17001,111 +17015,6 @@
       </p:grpSpPr>
       <p:sp>
         <p:nvSpPr>
-          <p:cNvPr id="4" name="Text Placeholder 3">
-            <a:extLst>
-              <a:ext uri="{FF2B5EF4-FFF2-40B4-BE49-F238E27FC236}">
-                <a16:creationId xmlns:a16="http://schemas.microsoft.com/office/drawing/2014/main" id="{C8533075-38E2-3BC5-7354-802F08D7F237}"/>
-              </a:ext>
-            </a:extLst>
-          </p:cNvPr>
-          <p:cNvSpPr>
-            <a:spLocks noGrp="1"/>
-          </p:cNvSpPr>
-          <p:nvPr>
-            <p:ph type="body" sz="quarter" idx="10"/>
-          </p:nvPr>
-        </p:nvSpPr>
-        <p:spPr/>
-        <p:txBody>
-          <a:bodyPr/>
-          <a:lstStyle/>
-          <a:p>
-            <a:endParaRPr lang="en-KR"/>
-          </a:p>
-        </p:txBody>
-      </p:sp>
-      <p:sp>
-        <p:nvSpPr>
-          <p:cNvPr id="5" name="Content Placeholder 4">
-            <a:extLst>
-              <a:ext uri="{FF2B5EF4-FFF2-40B4-BE49-F238E27FC236}">
-                <a16:creationId xmlns:a16="http://schemas.microsoft.com/office/drawing/2014/main" id="{8F50A390-3F80-23BA-B9D5-A7960E778EE3}"/>
-              </a:ext>
-            </a:extLst>
-          </p:cNvPr>
-          <p:cNvSpPr>
-            <a:spLocks noGrp="1"/>
-          </p:cNvSpPr>
-          <p:nvPr>
-            <p:ph sz="quarter" idx="11"/>
-          </p:nvPr>
-        </p:nvSpPr>
-        <p:spPr/>
-        <p:txBody>
-          <a:bodyPr/>
-          <a:lstStyle/>
-          <a:p>
-            <a:endParaRPr lang="en-KR"/>
-          </a:p>
-        </p:txBody>
-      </p:sp>
-      <p:sp>
-        <p:nvSpPr>
-          <p:cNvPr id="6" name="Content Placeholder 5">
-            <a:extLst>
-              <a:ext uri="{FF2B5EF4-FFF2-40B4-BE49-F238E27FC236}">
-                <a16:creationId xmlns:a16="http://schemas.microsoft.com/office/drawing/2014/main" id="{256DA4A3-8177-EF67-C5EE-8C807A1F6B23}"/>
-              </a:ext>
-            </a:extLst>
-          </p:cNvPr>
-          <p:cNvSpPr>
-            <a:spLocks noGrp="1"/>
-          </p:cNvSpPr>
-          <p:nvPr>
-            <p:ph sz="quarter" idx="12"/>
-          </p:nvPr>
-        </p:nvSpPr>
-        <p:spPr/>
-        <p:txBody>
-          <a:bodyPr/>
-          <a:lstStyle/>
-          <a:p>
-            <a:endParaRPr lang="en-KR"/>
-          </a:p>
-        </p:txBody>
-      </p:sp>
-    </p:spTree>
-    <p:extLst>
-      <p:ext uri="{BB962C8B-B14F-4D97-AF65-F5344CB8AC3E}">
-        <p14:creationId xmlns:p14="http://schemas.microsoft.com/office/powerpoint/2010/main" val="4071321222"/>
-      </p:ext>
-    </p:extLst>
-  </p:cSld>
-  <p:clrMapOvr>
-    <a:masterClrMapping/>
-  </p:clrMapOvr>
-</p:sld>
-</file>
-
-<file path=ppt/slides/slide5.xml><?xml version="1.0" encoding="utf-8"?>
-<p:sld xmlns:a="http://schemas.openxmlformats.org/drawingml/2006/main" xmlns:r="http://schemas.openxmlformats.org/officeDocument/2006/relationships" xmlns:p="http://schemas.openxmlformats.org/presentationml/2006/main">
-  <p:cSld>
-    <p:spTree>
-      <p:nvGrpSpPr>
-        <p:cNvPr id="1" name=""/>
-        <p:cNvGrpSpPr/>
-        <p:nvPr/>
-      </p:nvGrpSpPr>
-      <p:grpSpPr>
-        <a:xfrm>
-          <a:off x="0" y="0"/>
-          <a:ext cx="0" cy="0"/>
-          <a:chOff x="0" y="0"/>
-          <a:chExt cx="0" cy="0"/>
-        </a:xfrm>
-      </p:grpSpPr>
-      <p:sp>
-        <p:nvSpPr>
           <p:cNvPr id="2" name="Text Placeholder 1">
             <a:extLst>
               <a:ext uri="{FF2B5EF4-FFF2-40B4-BE49-F238E27FC236}">
@@ -17368,386 +17277,6 @@
     <p:extLst>
       <p:ext uri="{BB962C8B-B14F-4D97-AF65-F5344CB8AC3E}">
         <p14:creationId xmlns:p14="http://schemas.microsoft.com/office/powerpoint/2010/main" val="1510238212"/>
-      </p:ext>
-    </p:extLst>
-  </p:cSld>
-  <p:clrMapOvr>
-    <a:masterClrMapping/>
-  </p:clrMapOvr>
-</p:sld>
-</file>
-
-<file path=ppt/slides/slide6.xml><?xml version="1.0" encoding="utf-8"?>
-<p:sld xmlns:a="http://schemas.openxmlformats.org/drawingml/2006/main" xmlns:r="http://schemas.openxmlformats.org/officeDocument/2006/relationships" xmlns:p="http://schemas.openxmlformats.org/presentationml/2006/main">
-  <p:cSld>
-    <p:spTree>
-      <p:nvGrpSpPr>
-        <p:cNvPr id="1" name=""/>
-        <p:cNvGrpSpPr/>
-        <p:nvPr/>
-      </p:nvGrpSpPr>
-      <p:grpSpPr>
-        <a:xfrm>
-          <a:off x="0" y="0"/>
-          <a:ext cx="0" cy="0"/>
-          <a:chOff x="0" y="0"/>
-          <a:chExt cx="0" cy="0"/>
-        </a:xfrm>
-      </p:grpSpPr>
-      <p:sp>
-        <p:nvSpPr>
-          <p:cNvPr id="4" name="Text Placeholder 3">
-            <a:extLst>
-              <a:ext uri="{FF2B5EF4-FFF2-40B4-BE49-F238E27FC236}">
-                <a16:creationId xmlns:a16="http://schemas.microsoft.com/office/drawing/2014/main" id="{5C0A94AD-031F-7404-108B-84236DA24CA6}"/>
-              </a:ext>
-            </a:extLst>
-          </p:cNvPr>
-          <p:cNvSpPr>
-            <a:spLocks noGrp="1"/>
-          </p:cNvSpPr>
-          <p:nvPr>
-            <p:ph type="body" sz="quarter" idx="10"/>
-          </p:nvPr>
-        </p:nvSpPr>
-        <p:spPr/>
-        <p:txBody>
-          <a:bodyPr/>
-          <a:lstStyle/>
-          <a:p>
-            <a:endParaRPr lang="en-KR"/>
-          </a:p>
-        </p:txBody>
-      </p:sp>
-      <p:sp>
-        <p:nvSpPr>
-          <p:cNvPr id="5" name="Picture Placeholder 4">
-            <a:extLst>
-              <a:ext uri="{FF2B5EF4-FFF2-40B4-BE49-F238E27FC236}">
-                <a16:creationId xmlns:a16="http://schemas.microsoft.com/office/drawing/2014/main" id="{876CC5E0-C15A-F85D-74EF-0A492D79F5BD}"/>
-              </a:ext>
-            </a:extLst>
-          </p:cNvPr>
-          <p:cNvSpPr>
-            <a:spLocks noGrp="1"/>
-          </p:cNvSpPr>
-          <p:nvPr>
-            <p:ph type="pic" sz="quarter" idx="11"/>
-          </p:nvPr>
-        </p:nvSpPr>
-        <p:spPr/>
-        <p:txBody>
-          <a:bodyPr/>
-          <a:lstStyle/>
-          <a:p>
-            <a:endParaRPr lang="en-KR"/>
-          </a:p>
-        </p:txBody>
-      </p:sp>
-      <p:sp>
-        <p:nvSpPr>
-          <p:cNvPr id="6" name="Picture Placeholder 5">
-            <a:extLst>
-              <a:ext uri="{FF2B5EF4-FFF2-40B4-BE49-F238E27FC236}">
-                <a16:creationId xmlns:a16="http://schemas.microsoft.com/office/drawing/2014/main" id="{1036443F-2602-EA30-0DEF-C83905587CD6}"/>
-              </a:ext>
-            </a:extLst>
-          </p:cNvPr>
-          <p:cNvSpPr>
-            <a:spLocks noGrp="1"/>
-          </p:cNvSpPr>
-          <p:nvPr>
-            <p:ph type="pic" sz="quarter" idx="12"/>
-          </p:nvPr>
-        </p:nvSpPr>
-        <p:spPr/>
-        <p:txBody>
-          <a:bodyPr/>
-          <a:lstStyle/>
-          <a:p>
-            <a:endParaRPr lang="en-KR"/>
-          </a:p>
-        </p:txBody>
-      </p:sp>
-      <p:sp>
-        <p:nvSpPr>
-          <p:cNvPr id="7" name="Text Placeholder 6">
-            <a:extLst>
-              <a:ext uri="{FF2B5EF4-FFF2-40B4-BE49-F238E27FC236}">
-                <a16:creationId xmlns:a16="http://schemas.microsoft.com/office/drawing/2014/main" id="{A0984546-72F4-8472-3A41-1731B96516B3}"/>
-              </a:ext>
-            </a:extLst>
-          </p:cNvPr>
-          <p:cNvSpPr>
-            <a:spLocks noGrp="1"/>
-          </p:cNvSpPr>
-          <p:nvPr>
-            <p:ph type="body" sz="quarter" idx="13"/>
-          </p:nvPr>
-        </p:nvSpPr>
-        <p:spPr/>
-        <p:txBody>
-          <a:bodyPr/>
-          <a:lstStyle/>
-          <a:p>
-            <a:endParaRPr lang="en-KR"/>
-          </a:p>
-        </p:txBody>
-      </p:sp>
-      <p:sp>
-        <p:nvSpPr>
-          <p:cNvPr id="8" name="Picture Placeholder 7">
-            <a:extLst>
-              <a:ext uri="{FF2B5EF4-FFF2-40B4-BE49-F238E27FC236}">
-                <a16:creationId xmlns:a16="http://schemas.microsoft.com/office/drawing/2014/main" id="{E1214E7F-86EA-FE67-DEE0-9C6131CBC7F3}"/>
-              </a:ext>
-            </a:extLst>
-          </p:cNvPr>
-          <p:cNvSpPr>
-            <a:spLocks noGrp="1"/>
-          </p:cNvSpPr>
-          <p:nvPr>
-            <p:ph type="pic" sz="quarter" idx="14"/>
-          </p:nvPr>
-        </p:nvSpPr>
-        <p:spPr/>
-        <p:txBody>
-          <a:bodyPr/>
-          <a:lstStyle/>
-          <a:p>
-            <a:endParaRPr lang="en-KR"/>
-          </a:p>
-        </p:txBody>
-      </p:sp>
-      <p:sp>
-        <p:nvSpPr>
-          <p:cNvPr id="9" name="Text Placeholder 8">
-            <a:extLst>
-              <a:ext uri="{FF2B5EF4-FFF2-40B4-BE49-F238E27FC236}">
-                <a16:creationId xmlns:a16="http://schemas.microsoft.com/office/drawing/2014/main" id="{A6403035-BFF1-BD6D-9BBE-088D56FC00E5}"/>
-              </a:ext>
-            </a:extLst>
-          </p:cNvPr>
-          <p:cNvSpPr>
-            <a:spLocks noGrp="1"/>
-          </p:cNvSpPr>
-          <p:nvPr>
-            <p:ph type="body" sz="quarter" idx="15"/>
-          </p:nvPr>
-        </p:nvSpPr>
-        <p:spPr/>
-        <p:txBody>
-          <a:bodyPr/>
-          <a:lstStyle/>
-          <a:p>
-            <a:endParaRPr lang="en-KR"/>
-          </a:p>
-        </p:txBody>
-      </p:sp>
-      <p:sp>
-        <p:nvSpPr>
-          <p:cNvPr id="10" name="Picture Placeholder 9">
-            <a:extLst>
-              <a:ext uri="{FF2B5EF4-FFF2-40B4-BE49-F238E27FC236}">
-                <a16:creationId xmlns:a16="http://schemas.microsoft.com/office/drawing/2014/main" id="{947B2559-0EB5-EEA8-5445-3449D6719E38}"/>
-              </a:ext>
-            </a:extLst>
-          </p:cNvPr>
-          <p:cNvSpPr>
-            <a:spLocks noGrp="1"/>
-          </p:cNvSpPr>
-          <p:nvPr>
-            <p:ph type="pic" sz="quarter" idx="16"/>
-          </p:nvPr>
-        </p:nvSpPr>
-        <p:spPr/>
-        <p:txBody>
-          <a:bodyPr/>
-          <a:lstStyle/>
-          <a:p>
-            <a:endParaRPr lang="en-KR"/>
-          </a:p>
-        </p:txBody>
-      </p:sp>
-      <p:sp>
-        <p:nvSpPr>
-          <p:cNvPr id="11" name="Text Placeholder 10">
-            <a:extLst>
-              <a:ext uri="{FF2B5EF4-FFF2-40B4-BE49-F238E27FC236}">
-                <a16:creationId xmlns:a16="http://schemas.microsoft.com/office/drawing/2014/main" id="{32566B4E-4B9A-6FFF-C631-BD7F420AAC20}"/>
-              </a:ext>
-            </a:extLst>
-          </p:cNvPr>
-          <p:cNvSpPr>
-            <a:spLocks noGrp="1"/>
-          </p:cNvSpPr>
-          <p:nvPr>
-            <p:ph type="body" sz="quarter" idx="17"/>
-          </p:nvPr>
-        </p:nvSpPr>
-        <p:spPr/>
-        <p:txBody>
-          <a:bodyPr/>
-          <a:lstStyle/>
-          <a:p>
-            <a:endParaRPr lang="en-KR"/>
-          </a:p>
-        </p:txBody>
-      </p:sp>
-      <p:sp>
-        <p:nvSpPr>
-          <p:cNvPr id="12" name="Picture Placeholder 11">
-            <a:extLst>
-              <a:ext uri="{FF2B5EF4-FFF2-40B4-BE49-F238E27FC236}">
-                <a16:creationId xmlns:a16="http://schemas.microsoft.com/office/drawing/2014/main" id="{00EF3954-BA26-BEC5-F455-4DDB7551FCD0}"/>
-              </a:ext>
-            </a:extLst>
-          </p:cNvPr>
-          <p:cNvSpPr>
-            <a:spLocks noGrp="1"/>
-          </p:cNvSpPr>
-          <p:nvPr>
-            <p:ph type="pic" sz="quarter" idx="18"/>
-          </p:nvPr>
-        </p:nvSpPr>
-        <p:spPr/>
-        <p:txBody>
-          <a:bodyPr/>
-          <a:lstStyle/>
-          <a:p>
-            <a:endParaRPr lang="en-KR"/>
-          </a:p>
-        </p:txBody>
-      </p:sp>
-      <p:sp>
-        <p:nvSpPr>
-          <p:cNvPr id="13" name="Text Placeholder 12">
-            <a:extLst>
-              <a:ext uri="{FF2B5EF4-FFF2-40B4-BE49-F238E27FC236}">
-                <a16:creationId xmlns:a16="http://schemas.microsoft.com/office/drawing/2014/main" id="{19B673B1-B13E-6C20-CAB2-EA0761C9A2DC}"/>
-              </a:ext>
-            </a:extLst>
-          </p:cNvPr>
-          <p:cNvSpPr>
-            <a:spLocks noGrp="1"/>
-          </p:cNvSpPr>
-          <p:nvPr>
-            <p:ph type="body" sz="quarter" idx="19"/>
-          </p:nvPr>
-        </p:nvSpPr>
-        <p:spPr/>
-        <p:txBody>
-          <a:bodyPr/>
-          <a:lstStyle/>
-          <a:p>
-            <a:endParaRPr lang="en-KR"/>
-          </a:p>
-        </p:txBody>
-      </p:sp>
-      <p:sp>
-        <p:nvSpPr>
-          <p:cNvPr id="14" name="Picture Placeholder 13">
-            <a:extLst>
-              <a:ext uri="{FF2B5EF4-FFF2-40B4-BE49-F238E27FC236}">
-                <a16:creationId xmlns:a16="http://schemas.microsoft.com/office/drawing/2014/main" id="{2C0DB94F-AA90-28A1-944F-266659CF8737}"/>
-              </a:ext>
-            </a:extLst>
-          </p:cNvPr>
-          <p:cNvSpPr>
-            <a:spLocks noGrp="1"/>
-          </p:cNvSpPr>
-          <p:nvPr>
-            <p:ph type="pic" sz="quarter" idx="20"/>
-          </p:nvPr>
-        </p:nvSpPr>
-        <p:spPr/>
-        <p:txBody>
-          <a:bodyPr/>
-          <a:lstStyle/>
-          <a:p>
-            <a:endParaRPr lang="en-KR"/>
-          </a:p>
-        </p:txBody>
-      </p:sp>
-      <p:sp>
-        <p:nvSpPr>
-          <p:cNvPr id="15" name="Text Placeholder 14">
-            <a:extLst>
-              <a:ext uri="{FF2B5EF4-FFF2-40B4-BE49-F238E27FC236}">
-                <a16:creationId xmlns:a16="http://schemas.microsoft.com/office/drawing/2014/main" id="{3C23178F-CC53-9C8F-F868-7F1D2E5F8436}"/>
-              </a:ext>
-            </a:extLst>
-          </p:cNvPr>
-          <p:cNvSpPr>
-            <a:spLocks noGrp="1"/>
-          </p:cNvSpPr>
-          <p:nvPr>
-            <p:ph type="body" sz="quarter" idx="21"/>
-          </p:nvPr>
-        </p:nvSpPr>
-        <p:spPr/>
-        <p:txBody>
-          <a:bodyPr/>
-          <a:lstStyle/>
-          <a:p>
-            <a:endParaRPr lang="en-KR"/>
-          </a:p>
-        </p:txBody>
-      </p:sp>
-      <p:sp>
-        <p:nvSpPr>
-          <p:cNvPr id="16" name="Picture Placeholder 15">
-            <a:extLst>
-              <a:ext uri="{FF2B5EF4-FFF2-40B4-BE49-F238E27FC236}">
-                <a16:creationId xmlns:a16="http://schemas.microsoft.com/office/drawing/2014/main" id="{22795545-B7BB-3204-D569-0CFE9FAFC5B6}"/>
-              </a:ext>
-            </a:extLst>
-          </p:cNvPr>
-          <p:cNvSpPr>
-            <a:spLocks noGrp="1"/>
-          </p:cNvSpPr>
-          <p:nvPr>
-            <p:ph type="pic" sz="quarter" idx="22"/>
-          </p:nvPr>
-        </p:nvSpPr>
-        <p:spPr/>
-        <p:txBody>
-          <a:bodyPr/>
-          <a:lstStyle/>
-          <a:p>
-            <a:endParaRPr lang="en-KR"/>
-          </a:p>
-        </p:txBody>
-      </p:sp>
-      <p:sp>
-        <p:nvSpPr>
-          <p:cNvPr id="17" name="Text Placeholder 16">
-            <a:extLst>
-              <a:ext uri="{FF2B5EF4-FFF2-40B4-BE49-F238E27FC236}">
-                <a16:creationId xmlns:a16="http://schemas.microsoft.com/office/drawing/2014/main" id="{D9698AFC-870F-F716-C1E1-6783C4CD64C6}"/>
-              </a:ext>
-            </a:extLst>
-          </p:cNvPr>
-          <p:cNvSpPr>
-            <a:spLocks noGrp="1"/>
-          </p:cNvSpPr>
-          <p:nvPr>
-            <p:ph type="body" sz="quarter" idx="23"/>
-          </p:nvPr>
-        </p:nvSpPr>
-        <p:spPr/>
-        <p:txBody>
-          <a:bodyPr/>
-          <a:lstStyle/>
-          <a:p>
-            <a:endParaRPr lang="en-KR"/>
-          </a:p>
-        </p:txBody>
-      </p:sp>
-    </p:spTree>
-    <p:extLst>
-      <p:ext uri="{BB962C8B-B14F-4D97-AF65-F5344CB8AC3E}">
-        <p14:creationId xmlns:p14="http://schemas.microsoft.com/office/powerpoint/2010/main" val="34096870"/>
       </p:ext>
     </p:extLst>
   </p:cSld>
